--- a/ppt 16-9/1224.新的一天.pptx
+++ b/ppt 16-9/1224.新的一天.pptx
@@ -5,7 +5,7 @@
     <p:sldMasterId id="2147483648" r:id="rId1"/>
   </p:sldMasterIdLst>
   <p:sldIdLst>
-    <p:sldId id="758" r:id="rId2"/>
+    <p:sldId id="759" r:id="rId2"/>
   </p:sldIdLst>
   <p:sldSz cx="12192000" cy="6858000"/>
   <p:notesSz cx="6858000" cy="9144000"/>
@@ -129,7 +129,7 @@
           <p:cNvPr id="2" name="标题 1">
             <a:extLst>
               <a:ext uri="{FF2B5EF4-FFF2-40B4-BE49-F238E27FC236}">
-                <a16:creationId xmlns:a16="http://schemas.microsoft.com/office/drawing/2014/main" id="{479F5617-AA3E-53C0-C87A-E9AFD324A126}"/>
+                <a16:creationId xmlns:a16="http://schemas.microsoft.com/office/drawing/2014/main" id="{AF58981A-76BA-F667-F9AF-970E402398EB}"/>
               </a:ext>
             </a:extLst>
           </p:cNvPr>
@@ -166,7 +166,7 @@
           <p:cNvPr id="3" name="副标题 2">
             <a:extLst>
               <a:ext uri="{FF2B5EF4-FFF2-40B4-BE49-F238E27FC236}">
-                <a16:creationId xmlns:a16="http://schemas.microsoft.com/office/drawing/2014/main" id="{673560BD-3176-2D6A-AF29-83BE2C333674}"/>
+                <a16:creationId xmlns:a16="http://schemas.microsoft.com/office/drawing/2014/main" id="{2FE16F2C-47FF-9AB4-7D29-B94577472399}"/>
               </a:ext>
             </a:extLst>
           </p:cNvPr>
@@ -236,7 +236,7 @@
           <p:cNvPr id="4" name="日期占位符 3">
             <a:extLst>
               <a:ext uri="{FF2B5EF4-FFF2-40B4-BE49-F238E27FC236}">
-                <a16:creationId xmlns:a16="http://schemas.microsoft.com/office/drawing/2014/main" id="{ECB758E0-D32F-03C7-B11A-209B2A11F1B7}"/>
+                <a16:creationId xmlns:a16="http://schemas.microsoft.com/office/drawing/2014/main" id="{FE4BA095-EC61-7352-760F-9EF3C0A933C6}"/>
               </a:ext>
             </a:extLst>
           </p:cNvPr>
@@ -252,7 +252,7 @@
           <a:bodyPr/>
           <a:lstStyle/>
           <a:p>
-            <a:fld id="{DD982699-19E9-4BDA-8BC9-FFBD9BCE0BC1}" type="datetimeFigureOut">
+            <a:fld id="{475178BE-4FAD-4891-A910-886FC0B4EEFE}" type="datetimeFigureOut">
               <a:rPr lang="zh-CN" altLang="en-US" smtClean="0"/>
               <a:t>2024/3/10</a:t>
             </a:fld>
@@ -265,7 +265,7 @@
           <p:cNvPr id="5" name="页脚占位符 4">
             <a:extLst>
               <a:ext uri="{FF2B5EF4-FFF2-40B4-BE49-F238E27FC236}">
-                <a16:creationId xmlns:a16="http://schemas.microsoft.com/office/drawing/2014/main" id="{BC247175-4D75-1079-A2A4-442781BD8763}"/>
+                <a16:creationId xmlns:a16="http://schemas.microsoft.com/office/drawing/2014/main" id="{D1FB0495-8BCA-C4CA-B99E-F2ABCA4F9330}"/>
               </a:ext>
             </a:extLst>
           </p:cNvPr>
@@ -290,7 +290,7 @@
           <p:cNvPr id="6" name="灯片编号占位符 5">
             <a:extLst>
               <a:ext uri="{FF2B5EF4-FFF2-40B4-BE49-F238E27FC236}">
-                <a16:creationId xmlns:a16="http://schemas.microsoft.com/office/drawing/2014/main" id="{1F2FAD76-DF82-B12E-A5CD-964FE2692885}"/>
+                <a16:creationId xmlns:a16="http://schemas.microsoft.com/office/drawing/2014/main" id="{6057E7E9-EED1-4A09-CB92-7EA9582543F1}"/>
               </a:ext>
             </a:extLst>
           </p:cNvPr>
@@ -306,7 +306,7 @@
           <a:bodyPr/>
           <a:lstStyle/>
           <a:p>
-            <a:fld id="{E2AE9E91-6CCA-4E0E-B53C-A5FB031F9174}" type="slidenum">
+            <a:fld id="{841B63CE-8473-43EA-8806-FD80144DF218}" type="slidenum">
               <a:rPr lang="zh-CN" altLang="en-US" smtClean="0"/>
               <a:t>‹#›</a:t>
             </a:fld>
@@ -317,7 +317,7 @@
     </p:spTree>
     <p:extLst>
       <p:ext uri="{BB962C8B-B14F-4D97-AF65-F5344CB8AC3E}">
-        <p14:creationId xmlns:p14="http://schemas.microsoft.com/office/powerpoint/2010/main" val="179454056"/>
+        <p14:creationId xmlns:p14="http://schemas.microsoft.com/office/powerpoint/2010/main" val="598232611"/>
       </p:ext>
     </p:extLst>
   </p:cSld>
@@ -349,7 +349,7 @@
           <p:cNvPr id="2" name="标题 1">
             <a:extLst>
               <a:ext uri="{FF2B5EF4-FFF2-40B4-BE49-F238E27FC236}">
-                <a16:creationId xmlns:a16="http://schemas.microsoft.com/office/drawing/2014/main" id="{147C30C0-D2F0-95E6-A60E-221E1F26BDA6}"/>
+                <a16:creationId xmlns:a16="http://schemas.microsoft.com/office/drawing/2014/main" id="{202AA471-ADB2-5842-6C17-4F937A0ED003}"/>
               </a:ext>
             </a:extLst>
           </p:cNvPr>
@@ -377,7 +377,7 @@
           <p:cNvPr id="3" name="竖排文字占位符 2">
             <a:extLst>
               <a:ext uri="{FF2B5EF4-FFF2-40B4-BE49-F238E27FC236}">
-                <a16:creationId xmlns:a16="http://schemas.microsoft.com/office/drawing/2014/main" id="{FF3E54D6-F03D-E4AE-6F78-279F81CA75C2}"/>
+                <a16:creationId xmlns:a16="http://schemas.microsoft.com/office/drawing/2014/main" id="{235E60A4-2CCB-D2CE-C8C8-C593A2C9A870}"/>
               </a:ext>
             </a:extLst>
           </p:cNvPr>
@@ -434,7 +434,7 @@
           <p:cNvPr id="4" name="日期占位符 3">
             <a:extLst>
               <a:ext uri="{FF2B5EF4-FFF2-40B4-BE49-F238E27FC236}">
-                <a16:creationId xmlns:a16="http://schemas.microsoft.com/office/drawing/2014/main" id="{92829AFC-2858-15D7-B4E3-CAF8D080E1D6}"/>
+                <a16:creationId xmlns:a16="http://schemas.microsoft.com/office/drawing/2014/main" id="{18F5C193-1038-D969-1223-DBE49A4C9E5C}"/>
               </a:ext>
             </a:extLst>
           </p:cNvPr>
@@ -450,7 +450,7 @@
           <a:bodyPr/>
           <a:lstStyle/>
           <a:p>
-            <a:fld id="{DD982699-19E9-4BDA-8BC9-FFBD9BCE0BC1}" type="datetimeFigureOut">
+            <a:fld id="{475178BE-4FAD-4891-A910-886FC0B4EEFE}" type="datetimeFigureOut">
               <a:rPr lang="zh-CN" altLang="en-US" smtClean="0"/>
               <a:t>2024/3/10</a:t>
             </a:fld>
@@ -463,7 +463,7 @@
           <p:cNvPr id="5" name="页脚占位符 4">
             <a:extLst>
               <a:ext uri="{FF2B5EF4-FFF2-40B4-BE49-F238E27FC236}">
-                <a16:creationId xmlns:a16="http://schemas.microsoft.com/office/drawing/2014/main" id="{3F195298-D01D-7399-F861-8957ABA08F1C}"/>
+                <a16:creationId xmlns:a16="http://schemas.microsoft.com/office/drawing/2014/main" id="{FD6F01B4-1242-1B94-8AFD-B88079D7FE23}"/>
               </a:ext>
             </a:extLst>
           </p:cNvPr>
@@ -488,7 +488,7 @@
           <p:cNvPr id="6" name="灯片编号占位符 5">
             <a:extLst>
               <a:ext uri="{FF2B5EF4-FFF2-40B4-BE49-F238E27FC236}">
-                <a16:creationId xmlns:a16="http://schemas.microsoft.com/office/drawing/2014/main" id="{CC484C74-2211-AF93-115E-5951830D10B8}"/>
+                <a16:creationId xmlns:a16="http://schemas.microsoft.com/office/drawing/2014/main" id="{45736FE9-0C3B-4E21-4046-702AD37A7EB6}"/>
               </a:ext>
             </a:extLst>
           </p:cNvPr>
@@ -504,7 +504,7 @@
           <a:bodyPr/>
           <a:lstStyle/>
           <a:p>
-            <a:fld id="{E2AE9E91-6CCA-4E0E-B53C-A5FB031F9174}" type="slidenum">
+            <a:fld id="{841B63CE-8473-43EA-8806-FD80144DF218}" type="slidenum">
               <a:rPr lang="zh-CN" altLang="en-US" smtClean="0"/>
               <a:t>‹#›</a:t>
             </a:fld>
@@ -515,7 +515,7 @@
     </p:spTree>
     <p:extLst>
       <p:ext uri="{BB962C8B-B14F-4D97-AF65-F5344CB8AC3E}">
-        <p14:creationId xmlns:p14="http://schemas.microsoft.com/office/powerpoint/2010/main" val="3916485818"/>
+        <p14:creationId xmlns:p14="http://schemas.microsoft.com/office/powerpoint/2010/main" val="3820677155"/>
       </p:ext>
     </p:extLst>
   </p:cSld>
@@ -547,7 +547,7 @@
           <p:cNvPr id="2" name="竖排标题 1">
             <a:extLst>
               <a:ext uri="{FF2B5EF4-FFF2-40B4-BE49-F238E27FC236}">
-                <a16:creationId xmlns:a16="http://schemas.microsoft.com/office/drawing/2014/main" id="{5A70F3F9-41F9-166B-95C6-A52D2FA15499}"/>
+                <a16:creationId xmlns:a16="http://schemas.microsoft.com/office/drawing/2014/main" id="{C5899F69-F1F4-E333-FE44-8D82BE80C450}"/>
               </a:ext>
             </a:extLst>
           </p:cNvPr>
@@ -580,7 +580,7 @@
           <p:cNvPr id="3" name="竖排文字占位符 2">
             <a:extLst>
               <a:ext uri="{FF2B5EF4-FFF2-40B4-BE49-F238E27FC236}">
-                <a16:creationId xmlns:a16="http://schemas.microsoft.com/office/drawing/2014/main" id="{4C93C4E1-B00B-D35E-C12E-868A3E9EB25F}"/>
+                <a16:creationId xmlns:a16="http://schemas.microsoft.com/office/drawing/2014/main" id="{51D31B97-99E4-EE18-A480-EC516EAC830A}"/>
               </a:ext>
             </a:extLst>
           </p:cNvPr>
@@ -642,7 +642,7 @@
           <p:cNvPr id="4" name="日期占位符 3">
             <a:extLst>
               <a:ext uri="{FF2B5EF4-FFF2-40B4-BE49-F238E27FC236}">
-                <a16:creationId xmlns:a16="http://schemas.microsoft.com/office/drawing/2014/main" id="{840D36D8-AB8A-6706-EB67-8CA95233CA80}"/>
+                <a16:creationId xmlns:a16="http://schemas.microsoft.com/office/drawing/2014/main" id="{484159EB-8163-F028-67EC-82C06B59D973}"/>
               </a:ext>
             </a:extLst>
           </p:cNvPr>
@@ -658,7 +658,7 @@
           <a:bodyPr/>
           <a:lstStyle/>
           <a:p>
-            <a:fld id="{DD982699-19E9-4BDA-8BC9-FFBD9BCE0BC1}" type="datetimeFigureOut">
+            <a:fld id="{475178BE-4FAD-4891-A910-886FC0B4EEFE}" type="datetimeFigureOut">
               <a:rPr lang="zh-CN" altLang="en-US" smtClean="0"/>
               <a:t>2024/3/10</a:t>
             </a:fld>
@@ -671,7 +671,7 @@
           <p:cNvPr id="5" name="页脚占位符 4">
             <a:extLst>
               <a:ext uri="{FF2B5EF4-FFF2-40B4-BE49-F238E27FC236}">
-                <a16:creationId xmlns:a16="http://schemas.microsoft.com/office/drawing/2014/main" id="{7EB32268-477A-015B-1645-1C8389CB24BA}"/>
+                <a16:creationId xmlns:a16="http://schemas.microsoft.com/office/drawing/2014/main" id="{39FF455D-4B81-87B6-DE3B-0003A4720D2B}"/>
               </a:ext>
             </a:extLst>
           </p:cNvPr>
@@ -696,7 +696,7 @@
           <p:cNvPr id="6" name="灯片编号占位符 5">
             <a:extLst>
               <a:ext uri="{FF2B5EF4-FFF2-40B4-BE49-F238E27FC236}">
-                <a16:creationId xmlns:a16="http://schemas.microsoft.com/office/drawing/2014/main" id="{BB5A9BF3-E875-4588-8CA1-49270DC093AE}"/>
+                <a16:creationId xmlns:a16="http://schemas.microsoft.com/office/drawing/2014/main" id="{1032EBC3-101E-FB38-E52B-974EC4C7DACF}"/>
               </a:ext>
             </a:extLst>
           </p:cNvPr>
@@ -712,7 +712,7 @@
           <a:bodyPr/>
           <a:lstStyle/>
           <a:p>
-            <a:fld id="{E2AE9E91-6CCA-4E0E-B53C-A5FB031F9174}" type="slidenum">
+            <a:fld id="{841B63CE-8473-43EA-8806-FD80144DF218}" type="slidenum">
               <a:rPr lang="zh-CN" altLang="en-US" smtClean="0"/>
               <a:t>‹#›</a:t>
             </a:fld>
@@ -723,7 +723,7 @@
     </p:spTree>
     <p:extLst>
       <p:ext uri="{BB962C8B-B14F-4D97-AF65-F5344CB8AC3E}">
-        <p14:creationId xmlns:p14="http://schemas.microsoft.com/office/powerpoint/2010/main" val="1604822135"/>
+        <p14:creationId xmlns:p14="http://schemas.microsoft.com/office/powerpoint/2010/main" val="197149499"/>
       </p:ext>
     </p:extLst>
   </p:cSld>
@@ -755,7 +755,7 @@
           <p:cNvPr id="2" name="标题 1">
             <a:extLst>
               <a:ext uri="{FF2B5EF4-FFF2-40B4-BE49-F238E27FC236}">
-                <a16:creationId xmlns:a16="http://schemas.microsoft.com/office/drawing/2014/main" id="{DDFAD3FC-1AAC-29F2-96ED-4BCE6461C3BC}"/>
+                <a16:creationId xmlns:a16="http://schemas.microsoft.com/office/drawing/2014/main" id="{81CBCA5B-2D04-1117-9C21-0504065D5D1D}"/>
               </a:ext>
             </a:extLst>
           </p:cNvPr>
@@ -783,7 +783,7 @@
           <p:cNvPr id="3" name="内容占位符 2">
             <a:extLst>
               <a:ext uri="{FF2B5EF4-FFF2-40B4-BE49-F238E27FC236}">
-                <a16:creationId xmlns:a16="http://schemas.microsoft.com/office/drawing/2014/main" id="{BF923950-0E59-9E90-A04D-7F76684D6516}"/>
+                <a16:creationId xmlns:a16="http://schemas.microsoft.com/office/drawing/2014/main" id="{7E56BA6E-91ED-1024-E091-342EC11149C1}"/>
               </a:ext>
             </a:extLst>
           </p:cNvPr>
@@ -840,7 +840,7 @@
           <p:cNvPr id="4" name="日期占位符 3">
             <a:extLst>
               <a:ext uri="{FF2B5EF4-FFF2-40B4-BE49-F238E27FC236}">
-                <a16:creationId xmlns:a16="http://schemas.microsoft.com/office/drawing/2014/main" id="{D89B9D0C-252A-ADDF-2B02-5FC8D717690B}"/>
+                <a16:creationId xmlns:a16="http://schemas.microsoft.com/office/drawing/2014/main" id="{8A77B5F5-26FD-8221-BA44-513F8BC85CC4}"/>
               </a:ext>
             </a:extLst>
           </p:cNvPr>
@@ -856,7 +856,7 @@
           <a:bodyPr/>
           <a:lstStyle/>
           <a:p>
-            <a:fld id="{DD982699-19E9-4BDA-8BC9-FFBD9BCE0BC1}" type="datetimeFigureOut">
+            <a:fld id="{475178BE-4FAD-4891-A910-886FC0B4EEFE}" type="datetimeFigureOut">
               <a:rPr lang="zh-CN" altLang="en-US" smtClean="0"/>
               <a:t>2024/3/10</a:t>
             </a:fld>
@@ -869,7 +869,7 @@
           <p:cNvPr id="5" name="页脚占位符 4">
             <a:extLst>
               <a:ext uri="{FF2B5EF4-FFF2-40B4-BE49-F238E27FC236}">
-                <a16:creationId xmlns:a16="http://schemas.microsoft.com/office/drawing/2014/main" id="{4A6A4045-E671-4A5A-6552-E34FAD4FC091}"/>
+                <a16:creationId xmlns:a16="http://schemas.microsoft.com/office/drawing/2014/main" id="{7EEE15F2-DD1F-17A2-D840-439BCE670FB1}"/>
               </a:ext>
             </a:extLst>
           </p:cNvPr>
@@ -894,7 +894,7 @@
           <p:cNvPr id="6" name="灯片编号占位符 5">
             <a:extLst>
               <a:ext uri="{FF2B5EF4-FFF2-40B4-BE49-F238E27FC236}">
-                <a16:creationId xmlns:a16="http://schemas.microsoft.com/office/drawing/2014/main" id="{B9B3A801-AFEC-E39C-A0C9-966DC0547A7C}"/>
+                <a16:creationId xmlns:a16="http://schemas.microsoft.com/office/drawing/2014/main" id="{7278163A-E42D-3B6F-F245-6B6C1E18AA27}"/>
               </a:ext>
             </a:extLst>
           </p:cNvPr>
@@ -910,7 +910,7 @@
           <a:bodyPr/>
           <a:lstStyle/>
           <a:p>
-            <a:fld id="{E2AE9E91-6CCA-4E0E-B53C-A5FB031F9174}" type="slidenum">
+            <a:fld id="{841B63CE-8473-43EA-8806-FD80144DF218}" type="slidenum">
               <a:rPr lang="zh-CN" altLang="en-US" smtClean="0"/>
               <a:t>‹#›</a:t>
             </a:fld>
@@ -921,7 +921,7 @@
     </p:spTree>
     <p:extLst>
       <p:ext uri="{BB962C8B-B14F-4D97-AF65-F5344CB8AC3E}">
-        <p14:creationId xmlns:p14="http://schemas.microsoft.com/office/powerpoint/2010/main" val="2646949859"/>
+        <p14:creationId xmlns:p14="http://schemas.microsoft.com/office/powerpoint/2010/main" val="2971043491"/>
       </p:ext>
     </p:extLst>
   </p:cSld>
@@ -953,7 +953,7 @@
           <p:cNvPr id="2" name="标题 1">
             <a:extLst>
               <a:ext uri="{FF2B5EF4-FFF2-40B4-BE49-F238E27FC236}">
-                <a16:creationId xmlns:a16="http://schemas.microsoft.com/office/drawing/2014/main" id="{A67EEA5C-00CE-12AA-3C1F-4F75F788A83D}"/>
+                <a16:creationId xmlns:a16="http://schemas.microsoft.com/office/drawing/2014/main" id="{42E2C826-91AC-EF42-354A-C74AEA1C4FB5}"/>
               </a:ext>
             </a:extLst>
           </p:cNvPr>
@@ -990,7 +990,7 @@
           <p:cNvPr id="3" name="文本占位符 2">
             <a:extLst>
               <a:ext uri="{FF2B5EF4-FFF2-40B4-BE49-F238E27FC236}">
-                <a16:creationId xmlns:a16="http://schemas.microsoft.com/office/drawing/2014/main" id="{1A4597A7-66B4-BE70-37C1-75CE21AC446E}"/>
+                <a16:creationId xmlns:a16="http://schemas.microsoft.com/office/drawing/2014/main" id="{DD0739FA-82B2-A1EA-95D9-993E72A7A686}"/>
               </a:ext>
             </a:extLst>
           </p:cNvPr>
@@ -1115,7 +1115,7 @@
           <p:cNvPr id="4" name="日期占位符 3">
             <a:extLst>
               <a:ext uri="{FF2B5EF4-FFF2-40B4-BE49-F238E27FC236}">
-                <a16:creationId xmlns:a16="http://schemas.microsoft.com/office/drawing/2014/main" id="{C9021AE4-B530-A5CB-632A-C37174AFB19E}"/>
+                <a16:creationId xmlns:a16="http://schemas.microsoft.com/office/drawing/2014/main" id="{4FEB12A5-73EF-1F20-116B-E6D04A0DAC66}"/>
               </a:ext>
             </a:extLst>
           </p:cNvPr>
@@ -1131,7 +1131,7 @@
           <a:bodyPr/>
           <a:lstStyle/>
           <a:p>
-            <a:fld id="{DD982699-19E9-4BDA-8BC9-FFBD9BCE0BC1}" type="datetimeFigureOut">
+            <a:fld id="{475178BE-4FAD-4891-A910-886FC0B4EEFE}" type="datetimeFigureOut">
               <a:rPr lang="zh-CN" altLang="en-US" smtClean="0"/>
               <a:t>2024/3/10</a:t>
             </a:fld>
@@ -1144,7 +1144,7 @@
           <p:cNvPr id="5" name="页脚占位符 4">
             <a:extLst>
               <a:ext uri="{FF2B5EF4-FFF2-40B4-BE49-F238E27FC236}">
-                <a16:creationId xmlns:a16="http://schemas.microsoft.com/office/drawing/2014/main" id="{0EDF9E5F-94F1-C96E-697A-C3C6DF541572}"/>
+                <a16:creationId xmlns:a16="http://schemas.microsoft.com/office/drawing/2014/main" id="{8A9E5E3F-7DDA-EF35-1DB5-7CD2E055122F}"/>
               </a:ext>
             </a:extLst>
           </p:cNvPr>
@@ -1169,7 +1169,7 @@
           <p:cNvPr id="6" name="灯片编号占位符 5">
             <a:extLst>
               <a:ext uri="{FF2B5EF4-FFF2-40B4-BE49-F238E27FC236}">
-                <a16:creationId xmlns:a16="http://schemas.microsoft.com/office/drawing/2014/main" id="{0AB3C468-D2E8-6594-0EFA-7274E7412572}"/>
+                <a16:creationId xmlns:a16="http://schemas.microsoft.com/office/drawing/2014/main" id="{8379036D-7854-C4D6-D5B4-21A6FAFDF50B}"/>
               </a:ext>
             </a:extLst>
           </p:cNvPr>
@@ -1185,7 +1185,7 @@
           <a:bodyPr/>
           <a:lstStyle/>
           <a:p>
-            <a:fld id="{E2AE9E91-6CCA-4E0E-B53C-A5FB031F9174}" type="slidenum">
+            <a:fld id="{841B63CE-8473-43EA-8806-FD80144DF218}" type="slidenum">
               <a:rPr lang="zh-CN" altLang="en-US" smtClean="0"/>
               <a:t>‹#›</a:t>
             </a:fld>
@@ -1196,7 +1196,7 @@
     </p:spTree>
     <p:extLst>
       <p:ext uri="{BB962C8B-B14F-4D97-AF65-F5344CB8AC3E}">
-        <p14:creationId xmlns:p14="http://schemas.microsoft.com/office/powerpoint/2010/main" val="697390415"/>
+        <p14:creationId xmlns:p14="http://schemas.microsoft.com/office/powerpoint/2010/main" val="242081451"/>
       </p:ext>
     </p:extLst>
   </p:cSld>
@@ -1228,7 +1228,7 @@
           <p:cNvPr id="2" name="标题 1">
             <a:extLst>
               <a:ext uri="{FF2B5EF4-FFF2-40B4-BE49-F238E27FC236}">
-                <a16:creationId xmlns:a16="http://schemas.microsoft.com/office/drawing/2014/main" id="{116DA315-F9BA-C443-6991-81A1A2B8B196}"/>
+                <a16:creationId xmlns:a16="http://schemas.microsoft.com/office/drawing/2014/main" id="{E32C9078-C1DD-E877-2C65-A7A1AA18826F}"/>
               </a:ext>
             </a:extLst>
           </p:cNvPr>
@@ -1256,7 +1256,7 @@
           <p:cNvPr id="3" name="内容占位符 2">
             <a:extLst>
               <a:ext uri="{FF2B5EF4-FFF2-40B4-BE49-F238E27FC236}">
-                <a16:creationId xmlns:a16="http://schemas.microsoft.com/office/drawing/2014/main" id="{2AF0450D-2DA2-4880-EEC6-D50A26BC9FEA}"/>
+                <a16:creationId xmlns:a16="http://schemas.microsoft.com/office/drawing/2014/main" id="{05C4D458-2112-DD82-8D53-0A1E8672502E}"/>
               </a:ext>
             </a:extLst>
           </p:cNvPr>
@@ -1318,7 +1318,7 @@
           <p:cNvPr id="4" name="内容占位符 3">
             <a:extLst>
               <a:ext uri="{FF2B5EF4-FFF2-40B4-BE49-F238E27FC236}">
-                <a16:creationId xmlns:a16="http://schemas.microsoft.com/office/drawing/2014/main" id="{F59537CA-3164-D3CA-3F86-0E19BA0D0FEB}"/>
+                <a16:creationId xmlns:a16="http://schemas.microsoft.com/office/drawing/2014/main" id="{34372C0E-FAF9-6CF7-733F-D0CCAB15594F}"/>
               </a:ext>
             </a:extLst>
           </p:cNvPr>
@@ -1380,7 +1380,7 @@
           <p:cNvPr id="5" name="日期占位符 4">
             <a:extLst>
               <a:ext uri="{FF2B5EF4-FFF2-40B4-BE49-F238E27FC236}">
-                <a16:creationId xmlns:a16="http://schemas.microsoft.com/office/drawing/2014/main" id="{AD78C8EF-69D0-C78E-630D-7DD2B6A1DAC8}"/>
+                <a16:creationId xmlns:a16="http://schemas.microsoft.com/office/drawing/2014/main" id="{79A603A9-1F32-69A1-4028-24E450384015}"/>
               </a:ext>
             </a:extLst>
           </p:cNvPr>
@@ -1396,7 +1396,7 @@
           <a:bodyPr/>
           <a:lstStyle/>
           <a:p>
-            <a:fld id="{DD982699-19E9-4BDA-8BC9-FFBD9BCE0BC1}" type="datetimeFigureOut">
+            <a:fld id="{475178BE-4FAD-4891-A910-886FC0B4EEFE}" type="datetimeFigureOut">
               <a:rPr lang="zh-CN" altLang="en-US" smtClean="0"/>
               <a:t>2024/3/10</a:t>
             </a:fld>
@@ -1409,7 +1409,7 @@
           <p:cNvPr id="6" name="页脚占位符 5">
             <a:extLst>
               <a:ext uri="{FF2B5EF4-FFF2-40B4-BE49-F238E27FC236}">
-                <a16:creationId xmlns:a16="http://schemas.microsoft.com/office/drawing/2014/main" id="{34D26EB0-D143-C84C-6072-CF80E1515B46}"/>
+                <a16:creationId xmlns:a16="http://schemas.microsoft.com/office/drawing/2014/main" id="{7BD1559E-5790-CC3F-7B3D-B15DA033E94B}"/>
               </a:ext>
             </a:extLst>
           </p:cNvPr>
@@ -1434,7 +1434,7 @@
           <p:cNvPr id="7" name="灯片编号占位符 6">
             <a:extLst>
               <a:ext uri="{FF2B5EF4-FFF2-40B4-BE49-F238E27FC236}">
-                <a16:creationId xmlns:a16="http://schemas.microsoft.com/office/drawing/2014/main" id="{22E95D94-EFEB-871E-ABC0-D4BB37212F3A}"/>
+                <a16:creationId xmlns:a16="http://schemas.microsoft.com/office/drawing/2014/main" id="{B769A741-B28A-4C2A-08CB-E7CF0DC438F6}"/>
               </a:ext>
             </a:extLst>
           </p:cNvPr>
@@ -1450,7 +1450,7 @@
           <a:bodyPr/>
           <a:lstStyle/>
           <a:p>
-            <a:fld id="{E2AE9E91-6CCA-4E0E-B53C-A5FB031F9174}" type="slidenum">
+            <a:fld id="{841B63CE-8473-43EA-8806-FD80144DF218}" type="slidenum">
               <a:rPr lang="zh-CN" altLang="en-US" smtClean="0"/>
               <a:t>‹#›</a:t>
             </a:fld>
@@ -1461,7 +1461,7 @@
     </p:spTree>
     <p:extLst>
       <p:ext uri="{BB962C8B-B14F-4D97-AF65-F5344CB8AC3E}">
-        <p14:creationId xmlns:p14="http://schemas.microsoft.com/office/powerpoint/2010/main" val="1596598320"/>
+        <p14:creationId xmlns:p14="http://schemas.microsoft.com/office/powerpoint/2010/main" val="3159154140"/>
       </p:ext>
     </p:extLst>
   </p:cSld>
@@ -1493,7 +1493,7 @@
           <p:cNvPr id="2" name="标题 1">
             <a:extLst>
               <a:ext uri="{FF2B5EF4-FFF2-40B4-BE49-F238E27FC236}">
-                <a16:creationId xmlns:a16="http://schemas.microsoft.com/office/drawing/2014/main" id="{412FC03C-BB1E-6687-0E68-CB759BDB8A32}"/>
+                <a16:creationId xmlns:a16="http://schemas.microsoft.com/office/drawing/2014/main" id="{2C0B30F8-A2E8-62D5-47DD-19B7C08CC9DD}"/>
               </a:ext>
             </a:extLst>
           </p:cNvPr>
@@ -1526,7 +1526,7 @@
           <p:cNvPr id="3" name="文本占位符 2">
             <a:extLst>
               <a:ext uri="{FF2B5EF4-FFF2-40B4-BE49-F238E27FC236}">
-                <a16:creationId xmlns:a16="http://schemas.microsoft.com/office/drawing/2014/main" id="{AD51EEF3-BA51-C7A9-B206-2C4847F550A9}"/>
+                <a16:creationId xmlns:a16="http://schemas.microsoft.com/office/drawing/2014/main" id="{8AB50B75-FD2C-2F44-E90C-63EAB2C96CF4}"/>
               </a:ext>
             </a:extLst>
           </p:cNvPr>
@@ -1597,7 +1597,7 @@
           <p:cNvPr id="4" name="内容占位符 3">
             <a:extLst>
               <a:ext uri="{FF2B5EF4-FFF2-40B4-BE49-F238E27FC236}">
-                <a16:creationId xmlns:a16="http://schemas.microsoft.com/office/drawing/2014/main" id="{D2BC18F8-3D08-388B-A392-F4C490AD8F51}"/>
+                <a16:creationId xmlns:a16="http://schemas.microsoft.com/office/drawing/2014/main" id="{26D52A5E-E4D1-34FB-D1F0-1CC48966A9EB}"/>
               </a:ext>
             </a:extLst>
           </p:cNvPr>
@@ -1659,7 +1659,7 @@
           <p:cNvPr id="5" name="文本占位符 4">
             <a:extLst>
               <a:ext uri="{FF2B5EF4-FFF2-40B4-BE49-F238E27FC236}">
-                <a16:creationId xmlns:a16="http://schemas.microsoft.com/office/drawing/2014/main" id="{C9CEE177-6FE3-9E21-F1FE-C14FF7D3D1FA}"/>
+                <a16:creationId xmlns:a16="http://schemas.microsoft.com/office/drawing/2014/main" id="{FD77335E-FC81-2358-8B12-C9C2F80A18A8}"/>
               </a:ext>
             </a:extLst>
           </p:cNvPr>
@@ -1730,7 +1730,7 @@
           <p:cNvPr id="6" name="内容占位符 5">
             <a:extLst>
               <a:ext uri="{FF2B5EF4-FFF2-40B4-BE49-F238E27FC236}">
-                <a16:creationId xmlns:a16="http://schemas.microsoft.com/office/drawing/2014/main" id="{97C2FD7D-9872-54E9-1491-EA5E2AB7884A}"/>
+                <a16:creationId xmlns:a16="http://schemas.microsoft.com/office/drawing/2014/main" id="{9C59E98C-BAD6-B7CF-B7D7-D7847D946612}"/>
               </a:ext>
             </a:extLst>
           </p:cNvPr>
@@ -1792,7 +1792,7 @@
           <p:cNvPr id="7" name="日期占位符 6">
             <a:extLst>
               <a:ext uri="{FF2B5EF4-FFF2-40B4-BE49-F238E27FC236}">
-                <a16:creationId xmlns:a16="http://schemas.microsoft.com/office/drawing/2014/main" id="{442F4F9A-B5F2-61F5-FF37-F367DB5B49D7}"/>
+                <a16:creationId xmlns:a16="http://schemas.microsoft.com/office/drawing/2014/main" id="{E638D40B-DC3A-4E2E-A282-8BD8D1AED46C}"/>
               </a:ext>
             </a:extLst>
           </p:cNvPr>
@@ -1808,7 +1808,7 @@
           <a:bodyPr/>
           <a:lstStyle/>
           <a:p>
-            <a:fld id="{DD982699-19E9-4BDA-8BC9-FFBD9BCE0BC1}" type="datetimeFigureOut">
+            <a:fld id="{475178BE-4FAD-4891-A910-886FC0B4EEFE}" type="datetimeFigureOut">
               <a:rPr lang="zh-CN" altLang="en-US" smtClean="0"/>
               <a:t>2024/3/10</a:t>
             </a:fld>
@@ -1821,7 +1821,7 @@
           <p:cNvPr id="8" name="页脚占位符 7">
             <a:extLst>
               <a:ext uri="{FF2B5EF4-FFF2-40B4-BE49-F238E27FC236}">
-                <a16:creationId xmlns:a16="http://schemas.microsoft.com/office/drawing/2014/main" id="{BB79DED7-E28B-ABC2-678E-3BDCE26B3864}"/>
+                <a16:creationId xmlns:a16="http://schemas.microsoft.com/office/drawing/2014/main" id="{5ABC7A5C-AFDF-9BFD-05DC-A4EFFCD5A42F}"/>
               </a:ext>
             </a:extLst>
           </p:cNvPr>
@@ -1846,7 +1846,7 @@
           <p:cNvPr id="9" name="灯片编号占位符 8">
             <a:extLst>
               <a:ext uri="{FF2B5EF4-FFF2-40B4-BE49-F238E27FC236}">
-                <a16:creationId xmlns:a16="http://schemas.microsoft.com/office/drawing/2014/main" id="{BA7B57DB-5406-6FA1-ADB5-0FB99D2B22BC}"/>
+                <a16:creationId xmlns:a16="http://schemas.microsoft.com/office/drawing/2014/main" id="{71CA8844-8C13-7774-BD7C-6D8303DA289D}"/>
               </a:ext>
             </a:extLst>
           </p:cNvPr>
@@ -1862,7 +1862,7 @@
           <a:bodyPr/>
           <a:lstStyle/>
           <a:p>
-            <a:fld id="{E2AE9E91-6CCA-4E0E-B53C-A5FB031F9174}" type="slidenum">
+            <a:fld id="{841B63CE-8473-43EA-8806-FD80144DF218}" type="slidenum">
               <a:rPr lang="zh-CN" altLang="en-US" smtClean="0"/>
               <a:t>‹#›</a:t>
             </a:fld>
@@ -1873,7 +1873,7 @@
     </p:spTree>
     <p:extLst>
       <p:ext uri="{BB962C8B-B14F-4D97-AF65-F5344CB8AC3E}">
-        <p14:creationId xmlns:p14="http://schemas.microsoft.com/office/powerpoint/2010/main" val="2749578413"/>
+        <p14:creationId xmlns:p14="http://schemas.microsoft.com/office/powerpoint/2010/main" val="3428350970"/>
       </p:ext>
     </p:extLst>
   </p:cSld>
@@ -1905,7 +1905,7 @@
           <p:cNvPr id="2" name="标题 1">
             <a:extLst>
               <a:ext uri="{FF2B5EF4-FFF2-40B4-BE49-F238E27FC236}">
-                <a16:creationId xmlns:a16="http://schemas.microsoft.com/office/drawing/2014/main" id="{7E683AFB-AA31-148D-C3DC-C493AF6F9993}"/>
+                <a16:creationId xmlns:a16="http://schemas.microsoft.com/office/drawing/2014/main" id="{23D72D46-28D9-ACE6-25A6-8FBBDCBCA4EA}"/>
               </a:ext>
             </a:extLst>
           </p:cNvPr>
@@ -1933,7 +1933,7 @@
           <p:cNvPr id="3" name="日期占位符 2">
             <a:extLst>
               <a:ext uri="{FF2B5EF4-FFF2-40B4-BE49-F238E27FC236}">
-                <a16:creationId xmlns:a16="http://schemas.microsoft.com/office/drawing/2014/main" id="{32DEF56E-2B9B-C79F-A786-88D049043584}"/>
+                <a16:creationId xmlns:a16="http://schemas.microsoft.com/office/drawing/2014/main" id="{2ED6CBCE-F5AD-F35B-15E8-17272E8790F9}"/>
               </a:ext>
             </a:extLst>
           </p:cNvPr>
@@ -1949,7 +1949,7 @@
           <a:bodyPr/>
           <a:lstStyle/>
           <a:p>
-            <a:fld id="{DD982699-19E9-4BDA-8BC9-FFBD9BCE0BC1}" type="datetimeFigureOut">
+            <a:fld id="{475178BE-4FAD-4891-A910-886FC0B4EEFE}" type="datetimeFigureOut">
               <a:rPr lang="zh-CN" altLang="en-US" smtClean="0"/>
               <a:t>2024/3/10</a:t>
             </a:fld>
@@ -1962,7 +1962,7 @@
           <p:cNvPr id="4" name="页脚占位符 3">
             <a:extLst>
               <a:ext uri="{FF2B5EF4-FFF2-40B4-BE49-F238E27FC236}">
-                <a16:creationId xmlns:a16="http://schemas.microsoft.com/office/drawing/2014/main" id="{BA5F8E10-5188-F7F3-35EA-DFFC9C3E164F}"/>
+                <a16:creationId xmlns:a16="http://schemas.microsoft.com/office/drawing/2014/main" id="{C03282B7-A773-FBC2-58CC-02450A66E0F7}"/>
               </a:ext>
             </a:extLst>
           </p:cNvPr>
@@ -1987,7 +1987,7 @@
           <p:cNvPr id="5" name="灯片编号占位符 4">
             <a:extLst>
               <a:ext uri="{FF2B5EF4-FFF2-40B4-BE49-F238E27FC236}">
-                <a16:creationId xmlns:a16="http://schemas.microsoft.com/office/drawing/2014/main" id="{DA128183-5C79-27F1-56DE-359DF7678BE9}"/>
+                <a16:creationId xmlns:a16="http://schemas.microsoft.com/office/drawing/2014/main" id="{1EA334D3-994A-BD83-8B0F-7FEC7F857630}"/>
               </a:ext>
             </a:extLst>
           </p:cNvPr>
@@ -2003,7 +2003,7 @@
           <a:bodyPr/>
           <a:lstStyle/>
           <a:p>
-            <a:fld id="{E2AE9E91-6CCA-4E0E-B53C-A5FB031F9174}" type="slidenum">
+            <a:fld id="{841B63CE-8473-43EA-8806-FD80144DF218}" type="slidenum">
               <a:rPr lang="zh-CN" altLang="en-US" smtClean="0"/>
               <a:t>‹#›</a:t>
             </a:fld>
@@ -2014,7 +2014,7 @@
     </p:spTree>
     <p:extLst>
       <p:ext uri="{BB962C8B-B14F-4D97-AF65-F5344CB8AC3E}">
-        <p14:creationId xmlns:p14="http://schemas.microsoft.com/office/powerpoint/2010/main" val="3583813589"/>
+        <p14:creationId xmlns:p14="http://schemas.microsoft.com/office/powerpoint/2010/main" val="2553180350"/>
       </p:ext>
     </p:extLst>
   </p:cSld>
@@ -2046,7 +2046,7 @@
           <p:cNvPr id="2" name="日期占位符 1">
             <a:extLst>
               <a:ext uri="{FF2B5EF4-FFF2-40B4-BE49-F238E27FC236}">
-                <a16:creationId xmlns:a16="http://schemas.microsoft.com/office/drawing/2014/main" id="{DDA0C5AD-A531-0E1C-FB9D-662B3C99F299}"/>
+                <a16:creationId xmlns:a16="http://schemas.microsoft.com/office/drawing/2014/main" id="{AECB8189-3FC4-7BF5-1858-814071666E2C}"/>
               </a:ext>
             </a:extLst>
           </p:cNvPr>
@@ -2062,7 +2062,7 @@
           <a:bodyPr/>
           <a:lstStyle/>
           <a:p>
-            <a:fld id="{DD982699-19E9-4BDA-8BC9-FFBD9BCE0BC1}" type="datetimeFigureOut">
+            <a:fld id="{475178BE-4FAD-4891-A910-886FC0B4EEFE}" type="datetimeFigureOut">
               <a:rPr lang="zh-CN" altLang="en-US" smtClean="0"/>
               <a:t>2024/3/10</a:t>
             </a:fld>
@@ -2075,7 +2075,7 @@
           <p:cNvPr id="3" name="页脚占位符 2">
             <a:extLst>
               <a:ext uri="{FF2B5EF4-FFF2-40B4-BE49-F238E27FC236}">
-                <a16:creationId xmlns:a16="http://schemas.microsoft.com/office/drawing/2014/main" id="{3F531246-8E66-D9D6-3192-5FFEE3FD87CE}"/>
+                <a16:creationId xmlns:a16="http://schemas.microsoft.com/office/drawing/2014/main" id="{D2495B47-D881-4562-D2F9-9D83A97A84E0}"/>
               </a:ext>
             </a:extLst>
           </p:cNvPr>
@@ -2100,7 +2100,7 @@
           <p:cNvPr id="4" name="灯片编号占位符 3">
             <a:extLst>
               <a:ext uri="{FF2B5EF4-FFF2-40B4-BE49-F238E27FC236}">
-                <a16:creationId xmlns:a16="http://schemas.microsoft.com/office/drawing/2014/main" id="{4AA01910-D398-DB55-8A4E-07F34FFEDEB4}"/>
+                <a16:creationId xmlns:a16="http://schemas.microsoft.com/office/drawing/2014/main" id="{794AD540-6A7C-3388-2206-BD7A0F0F1BF1}"/>
               </a:ext>
             </a:extLst>
           </p:cNvPr>
@@ -2116,7 +2116,7 @@
           <a:bodyPr/>
           <a:lstStyle/>
           <a:p>
-            <a:fld id="{E2AE9E91-6CCA-4E0E-B53C-A5FB031F9174}" type="slidenum">
+            <a:fld id="{841B63CE-8473-43EA-8806-FD80144DF218}" type="slidenum">
               <a:rPr lang="zh-CN" altLang="en-US" smtClean="0"/>
               <a:t>‹#›</a:t>
             </a:fld>
@@ -2127,7 +2127,7 @@
     </p:spTree>
     <p:extLst>
       <p:ext uri="{BB962C8B-B14F-4D97-AF65-F5344CB8AC3E}">
-        <p14:creationId xmlns:p14="http://schemas.microsoft.com/office/powerpoint/2010/main" val="600490738"/>
+        <p14:creationId xmlns:p14="http://schemas.microsoft.com/office/powerpoint/2010/main" val="1832347529"/>
       </p:ext>
     </p:extLst>
   </p:cSld>
@@ -2159,7 +2159,7 @@
           <p:cNvPr id="2" name="标题 1">
             <a:extLst>
               <a:ext uri="{FF2B5EF4-FFF2-40B4-BE49-F238E27FC236}">
-                <a16:creationId xmlns:a16="http://schemas.microsoft.com/office/drawing/2014/main" id="{FDE8B6E7-D32B-4DD0-F3D1-3892B205B355}"/>
+                <a16:creationId xmlns:a16="http://schemas.microsoft.com/office/drawing/2014/main" id="{F7F26D98-6F27-1CB6-D5FA-8984A261EC86}"/>
               </a:ext>
             </a:extLst>
           </p:cNvPr>
@@ -2196,7 +2196,7 @@
           <p:cNvPr id="3" name="内容占位符 2">
             <a:extLst>
               <a:ext uri="{FF2B5EF4-FFF2-40B4-BE49-F238E27FC236}">
-                <a16:creationId xmlns:a16="http://schemas.microsoft.com/office/drawing/2014/main" id="{22AE9814-4157-E576-A0E5-4CFF8963B3E5}"/>
+                <a16:creationId xmlns:a16="http://schemas.microsoft.com/office/drawing/2014/main" id="{3B38D60D-A7ED-263A-243A-E571DC75C0AF}"/>
               </a:ext>
             </a:extLst>
           </p:cNvPr>
@@ -2286,7 +2286,7 @@
           <p:cNvPr id="4" name="文本占位符 3">
             <a:extLst>
               <a:ext uri="{FF2B5EF4-FFF2-40B4-BE49-F238E27FC236}">
-                <a16:creationId xmlns:a16="http://schemas.microsoft.com/office/drawing/2014/main" id="{3FD05358-7365-1936-1968-7E8E75B0DCF3}"/>
+                <a16:creationId xmlns:a16="http://schemas.microsoft.com/office/drawing/2014/main" id="{7DD48C4A-F5A2-F74A-216F-B43D743FCD51}"/>
               </a:ext>
             </a:extLst>
           </p:cNvPr>
@@ -2357,7 +2357,7 @@
           <p:cNvPr id="5" name="日期占位符 4">
             <a:extLst>
               <a:ext uri="{FF2B5EF4-FFF2-40B4-BE49-F238E27FC236}">
-                <a16:creationId xmlns:a16="http://schemas.microsoft.com/office/drawing/2014/main" id="{B182F463-C4CE-0EE9-396E-D2D61CB28DAA}"/>
+                <a16:creationId xmlns:a16="http://schemas.microsoft.com/office/drawing/2014/main" id="{3B01317E-7AA0-FF5E-C286-013ABB6304B1}"/>
               </a:ext>
             </a:extLst>
           </p:cNvPr>
@@ -2373,7 +2373,7 @@
           <a:bodyPr/>
           <a:lstStyle/>
           <a:p>
-            <a:fld id="{DD982699-19E9-4BDA-8BC9-FFBD9BCE0BC1}" type="datetimeFigureOut">
+            <a:fld id="{475178BE-4FAD-4891-A910-886FC0B4EEFE}" type="datetimeFigureOut">
               <a:rPr lang="zh-CN" altLang="en-US" smtClean="0"/>
               <a:t>2024/3/10</a:t>
             </a:fld>
@@ -2386,7 +2386,7 @@
           <p:cNvPr id="6" name="页脚占位符 5">
             <a:extLst>
               <a:ext uri="{FF2B5EF4-FFF2-40B4-BE49-F238E27FC236}">
-                <a16:creationId xmlns:a16="http://schemas.microsoft.com/office/drawing/2014/main" id="{AF56D4CA-CF52-530B-915D-7C9246B63104}"/>
+                <a16:creationId xmlns:a16="http://schemas.microsoft.com/office/drawing/2014/main" id="{8B94F520-7E25-1BB7-C513-AB50BF82B656}"/>
               </a:ext>
             </a:extLst>
           </p:cNvPr>
@@ -2411,7 +2411,7 @@
           <p:cNvPr id="7" name="灯片编号占位符 6">
             <a:extLst>
               <a:ext uri="{FF2B5EF4-FFF2-40B4-BE49-F238E27FC236}">
-                <a16:creationId xmlns:a16="http://schemas.microsoft.com/office/drawing/2014/main" id="{13923F54-766B-C1C0-AE7B-DE4F93AC7BE5}"/>
+                <a16:creationId xmlns:a16="http://schemas.microsoft.com/office/drawing/2014/main" id="{21201E26-01E9-879D-CE35-707F9E0CB141}"/>
               </a:ext>
             </a:extLst>
           </p:cNvPr>
@@ -2427,7 +2427,7 @@
           <a:bodyPr/>
           <a:lstStyle/>
           <a:p>
-            <a:fld id="{E2AE9E91-6CCA-4E0E-B53C-A5FB031F9174}" type="slidenum">
+            <a:fld id="{841B63CE-8473-43EA-8806-FD80144DF218}" type="slidenum">
               <a:rPr lang="zh-CN" altLang="en-US" smtClean="0"/>
               <a:t>‹#›</a:t>
             </a:fld>
@@ -2438,7 +2438,7 @@
     </p:spTree>
     <p:extLst>
       <p:ext uri="{BB962C8B-B14F-4D97-AF65-F5344CB8AC3E}">
-        <p14:creationId xmlns:p14="http://schemas.microsoft.com/office/powerpoint/2010/main" val="3536071510"/>
+        <p14:creationId xmlns:p14="http://schemas.microsoft.com/office/powerpoint/2010/main" val="3204282986"/>
       </p:ext>
     </p:extLst>
   </p:cSld>
@@ -2470,7 +2470,7 @@
           <p:cNvPr id="2" name="标题 1">
             <a:extLst>
               <a:ext uri="{FF2B5EF4-FFF2-40B4-BE49-F238E27FC236}">
-                <a16:creationId xmlns:a16="http://schemas.microsoft.com/office/drawing/2014/main" id="{D474F2F4-8E04-1D49-2B5D-7CDB30493424}"/>
+                <a16:creationId xmlns:a16="http://schemas.microsoft.com/office/drawing/2014/main" id="{453DB374-60EB-4B0F-F18C-FFF533EBD8E5}"/>
               </a:ext>
             </a:extLst>
           </p:cNvPr>
@@ -2507,7 +2507,7 @@
           <p:cNvPr id="3" name="图片占位符 2">
             <a:extLst>
               <a:ext uri="{FF2B5EF4-FFF2-40B4-BE49-F238E27FC236}">
-                <a16:creationId xmlns:a16="http://schemas.microsoft.com/office/drawing/2014/main" id="{C9AED6F3-7AFB-5444-0714-6CFB93432E19}"/>
+                <a16:creationId xmlns:a16="http://schemas.microsoft.com/office/drawing/2014/main" id="{E0FCBE44-D6A7-ACBB-2919-E79D6F849B9C}"/>
               </a:ext>
             </a:extLst>
           </p:cNvPr>
@@ -2574,7 +2574,7 @@
           <p:cNvPr id="4" name="文本占位符 3">
             <a:extLst>
               <a:ext uri="{FF2B5EF4-FFF2-40B4-BE49-F238E27FC236}">
-                <a16:creationId xmlns:a16="http://schemas.microsoft.com/office/drawing/2014/main" id="{A8DF4C26-DDBD-4302-79B8-81408372744D}"/>
+                <a16:creationId xmlns:a16="http://schemas.microsoft.com/office/drawing/2014/main" id="{3D8770B2-5BE8-ED8A-A452-F9F6108074CD}"/>
               </a:ext>
             </a:extLst>
           </p:cNvPr>
@@ -2645,7 +2645,7 @@
           <p:cNvPr id="5" name="日期占位符 4">
             <a:extLst>
               <a:ext uri="{FF2B5EF4-FFF2-40B4-BE49-F238E27FC236}">
-                <a16:creationId xmlns:a16="http://schemas.microsoft.com/office/drawing/2014/main" id="{5AEE07EC-7D16-385D-33C8-CCC4351653A9}"/>
+                <a16:creationId xmlns:a16="http://schemas.microsoft.com/office/drawing/2014/main" id="{8B9F51C9-F9D6-B6CC-78B6-8CDDDEE336D0}"/>
               </a:ext>
             </a:extLst>
           </p:cNvPr>
@@ -2661,7 +2661,7 @@
           <a:bodyPr/>
           <a:lstStyle/>
           <a:p>
-            <a:fld id="{DD982699-19E9-4BDA-8BC9-FFBD9BCE0BC1}" type="datetimeFigureOut">
+            <a:fld id="{475178BE-4FAD-4891-A910-886FC0B4EEFE}" type="datetimeFigureOut">
               <a:rPr lang="zh-CN" altLang="en-US" smtClean="0"/>
               <a:t>2024/3/10</a:t>
             </a:fld>
@@ -2674,7 +2674,7 @@
           <p:cNvPr id="6" name="页脚占位符 5">
             <a:extLst>
               <a:ext uri="{FF2B5EF4-FFF2-40B4-BE49-F238E27FC236}">
-                <a16:creationId xmlns:a16="http://schemas.microsoft.com/office/drawing/2014/main" id="{48FD44B6-41FB-6272-FA02-324A97E088AF}"/>
+                <a16:creationId xmlns:a16="http://schemas.microsoft.com/office/drawing/2014/main" id="{EF9FBF3F-0422-7A9A-80D8-31DAA4FDD3FA}"/>
               </a:ext>
             </a:extLst>
           </p:cNvPr>
@@ -2699,7 +2699,7 @@
           <p:cNvPr id="7" name="灯片编号占位符 6">
             <a:extLst>
               <a:ext uri="{FF2B5EF4-FFF2-40B4-BE49-F238E27FC236}">
-                <a16:creationId xmlns:a16="http://schemas.microsoft.com/office/drawing/2014/main" id="{F437AE5C-48F5-35B7-4245-76927329E94D}"/>
+                <a16:creationId xmlns:a16="http://schemas.microsoft.com/office/drawing/2014/main" id="{0FC5ED7B-6E99-3F02-9E4F-4107E6354E93}"/>
               </a:ext>
             </a:extLst>
           </p:cNvPr>
@@ -2715,7 +2715,7 @@
           <a:bodyPr/>
           <a:lstStyle/>
           <a:p>
-            <a:fld id="{E2AE9E91-6CCA-4E0E-B53C-A5FB031F9174}" type="slidenum">
+            <a:fld id="{841B63CE-8473-43EA-8806-FD80144DF218}" type="slidenum">
               <a:rPr lang="zh-CN" altLang="en-US" smtClean="0"/>
               <a:t>‹#›</a:t>
             </a:fld>
@@ -2726,7 +2726,7 @@
     </p:spTree>
     <p:extLst>
       <p:ext uri="{BB962C8B-B14F-4D97-AF65-F5344CB8AC3E}">
-        <p14:creationId xmlns:p14="http://schemas.microsoft.com/office/powerpoint/2010/main" val="627149347"/>
+        <p14:creationId xmlns:p14="http://schemas.microsoft.com/office/powerpoint/2010/main" val="2239794939"/>
       </p:ext>
     </p:extLst>
   </p:cSld>
@@ -2763,7 +2763,7 @@
           <p:cNvPr id="2" name="标题占位符 1">
             <a:extLst>
               <a:ext uri="{FF2B5EF4-FFF2-40B4-BE49-F238E27FC236}">
-                <a16:creationId xmlns:a16="http://schemas.microsoft.com/office/drawing/2014/main" id="{7D5E1E41-7A6E-37CD-4859-99DE58FF4894}"/>
+                <a16:creationId xmlns:a16="http://schemas.microsoft.com/office/drawing/2014/main" id="{9649DC2D-61F6-8B6B-2EAC-F6799D104F76}"/>
               </a:ext>
             </a:extLst>
           </p:cNvPr>
@@ -2801,7 +2801,7 @@
           <p:cNvPr id="3" name="文本占位符 2">
             <a:extLst>
               <a:ext uri="{FF2B5EF4-FFF2-40B4-BE49-F238E27FC236}">
-                <a16:creationId xmlns:a16="http://schemas.microsoft.com/office/drawing/2014/main" id="{4202AAC2-42BE-19DF-5B7D-A2CBEC7CBAA0}"/>
+                <a16:creationId xmlns:a16="http://schemas.microsoft.com/office/drawing/2014/main" id="{47AF58B8-4831-E023-7BB4-EB86C8F1D6F1}"/>
               </a:ext>
             </a:extLst>
           </p:cNvPr>
@@ -2868,7 +2868,7 @@
           <p:cNvPr id="4" name="日期占位符 3">
             <a:extLst>
               <a:ext uri="{FF2B5EF4-FFF2-40B4-BE49-F238E27FC236}">
-                <a16:creationId xmlns:a16="http://schemas.microsoft.com/office/drawing/2014/main" id="{A25A2731-3926-3F85-CEF8-265EF428A3C4}"/>
+                <a16:creationId xmlns:a16="http://schemas.microsoft.com/office/drawing/2014/main" id="{16767F05-A138-0889-42C6-FD5B6AB4BC83}"/>
               </a:ext>
             </a:extLst>
           </p:cNvPr>
@@ -2902,7 +2902,7 @@
             </a:lvl1pPr>
           </a:lstStyle>
           <a:p>
-            <a:fld id="{DD982699-19E9-4BDA-8BC9-FFBD9BCE0BC1}" type="datetimeFigureOut">
+            <a:fld id="{475178BE-4FAD-4891-A910-886FC0B4EEFE}" type="datetimeFigureOut">
               <a:rPr lang="zh-CN" altLang="en-US" smtClean="0"/>
               <a:t>2024/3/10</a:t>
             </a:fld>
@@ -2915,7 +2915,7 @@
           <p:cNvPr id="5" name="页脚占位符 4">
             <a:extLst>
               <a:ext uri="{FF2B5EF4-FFF2-40B4-BE49-F238E27FC236}">
-                <a16:creationId xmlns:a16="http://schemas.microsoft.com/office/drawing/2014/main" id="{86793BE0-81BE-D784-045B-37C12A952A4C}"/>
+                <a16:creationId xmlns:a16="http://schemas.microsoft.com/office/drawing/2014/main" id="{21740B2A-D2B1-3119-0541-093513CDC3F7}"/>
               </a:ext>
             </a:extLst>
           </p:cNvPr>
@@ -2958,7 +2958,7 @@
           <p:cNvPr id="6" name="灯片编号占位符 5">
             <a:extLst>
               <a:ext uri="{FF2B5EF4-FFF2-40B4-BE49-F238E27FC236}">
-                <a16:creationId xmlns:a16="http://schemas.microsoft.com/office/drawing/2014/main" id="{BBF647CA-789C-FA6A-70A9-374719E3F38C}"/>
+                <a16:creationId xmlns:a16="http://schemas.microsoft.com/office/drawing/2014/main" id="{8D2374F4-8C32-8CDE-F82A-6541C7DD697F}"/>
               </a:ext>
             </a:extLst>
           </p:cNvPr>
@@ -2992,7 +2992,7 @@
             </a:lvl1pPr>
           </a:lstStyle>
           <a:p>
-            <a:fld id="{E2AE9E91-6CCA-4E0E-B53C-A5FB031F9174}" type="slidenum">
+            <a:fld id="{841B63CE-8473-43EA-8806-FD80144DF218}" type="slidenum">
               <a:rPr lang="zh-CN" altLang="en-US" smtClean="0"/>
               <a:t>‹#›</a:t>
             </a:fld>
@@ -3003,7 +3003,7 @@
     </p:spTree>
     <p:extLst>
       <p:ext uri="{BB962C8B-B14F-4D97-AF65-F5344CB8AC3E}">
-        <p14:creationId xmlns:p14="http://schemas.microsoft.com/office/powerpoint/2010/main" val="1297217404"/>
+        <p14:creationId xmlns:p14="http://schemas.microsoft.com/office/powerpoint/2010/main" val="1396341831"/>
       </p:ext>
     </p:extLst>
   </p:cSld>
@@ -3323,7 +3323,7 @@
       </p:grpSpPr>
       <p:pic>
         <p:nvPicPr>
-          <p:cNvPr id="1253378" name="Picture 2" descr="1223"/>
+          <p:cNvPr id="1254402" name="Picture 2" descr="1224"/>
           <p:cNvPicPr>
             <a:picLocks noChangeAspect="1" noChangeArrowheads="1"/>
           </p:cNvPicPr>
